--- a/Sunum.pptx
+++ b/Sunum.pptx
@@ -7769,7 +7769,7 @@
           <a:p>
             <a:r>
               <a:rPr lang="tr-TR" dirty="0"/>
-              <a:t>Kullanım Senaryoları</a:t>
+              <a:t>Problemin Kaynağı</a:t>
             </a:r>
           </a:p>
         </p:txBody>
